--- a/Calendario2022/Presentaciones/IF_RedesInalambricas.pptx
+++ b/Calendario2022/Presentaciones/IF_RedesInalambricas.pptx
@@ -231,7 +231,7 @@
           <a:p>
             <a:fld id="{CFD15F0F-6D28-499C-8425-A9347399C9A5}" type="datetimeFigureOut">
               <a:rPr lang="es-MX" smtClean="0"/>
-              <a:t>27/03/2022</a:t>
+              <a:t>01/04/2022</a:t>
             </a:fld>
             <a:endParaRPr lang="es-MX" dirty="0"/>
           </a:p>
@@ -396,7 +396,7 @@
           <a:p>
             <a:fld id="{2D445F07-8756-451B-A938-0248325FC7BB}" type="datetimeFigureOut">
               <a:rPr lang="es-MX" smtClean="0"/>
-              <a:t>27/03/2022</a:t>
+              <a:t>01/04/2022</a:t>
             </a:fld>
             <a:endParaRPr lang="es-MX" dirty="0"/>
           </a:p>
@@ -2147,7 +2147,7 @@
           <a:p>
             <a:fld id="{5E75A0DC-66C6-4CEC-A5EB-F8C97CEC3796}" type="datetimeFigureOut">
               <a:rPr lang="es-MX" smtClean="0"/>
-              <a:t>27/03/2022</a:t>
+              <a:t>01/04/2022</a:t>
             </a:fld>
             <a:endParaRPr lang="es-MX" dirty="0"/>
           </a:p>
@@ -2317,7 +2317,7 @@
           <a:p>
             <a:fld id="{5E75A0DC-66C6-4CEC-A5EB-F8C97CEC3796}" type="datetimeFigureOut">
               <a:rPr lang="es-MX" smtClean="0"/>
-              <a:t>27/03/2022</a:t>
+              <a:t>01/04/2022</a:t>
             </a:fld>
             <a:endParaRPr lang="es-MX" dirty="0"/>
           </a:p>
@@ -2497,7 +2497,7 @@
           <a:p>
             <a:fld id="{5E75A0DC-66C6-4CEC-A5EB-F8C97CEC3796}" type="datetimeFigureOut">
               <a:rPr lang="es-MX" smtClean="0"/>
-              <a:t>27/03/2022</a:t>
+              <a:t>01/04/2022</a:t>
             </a:fld>
             <a:endParaRPr lang="es-MX" dirty="0"/>
           </a:p>
@@ -2972,7 +2972,7 @@
           <a:p>
             <a:fld id="{5E75A0DC-66C6-4CEC-A5EB-F8C97CEC3796}" type="datetimeFigureOut">
               <a:rPr lang="es-MX" smtClean="0"/>
-              <a:t>27/03/2022</a:t>
+              <a:t>01/04/2022</a:t>
             </a:fld>
             <a:endParaRPr lang="es-MX" dirty="0"/>
           </a:p>
@@ -3218,7 +3218,7 @@
           <a:p>
             <a:fld id="{5E75A0DC-66C6-4CEC-A5EB-F8C97CEC3796}" type="datetimeFigureOut">
               <a:rPr lang="es-MX" smtClean="0"/>
-              <a:t>27/03/2022</a:t>
+              <a:t>01/04/2022</a:t>
             </a:fld>
             <a:endParaRPr lang="es-MX" dirty="0"/>
           </a:p>
@@ -3506,7 +3506,7 @@
           <a:p>
             <a:fld id="{5E75A0DC-66C6-4CEC-A5EB-F8C97CEC3796}" type="datetimeFigureOut">
               <a:rPr lang="es-MX" smtClean="0"/>
-              <a:t>27/03/2022</a:t>
+              <a:t>01/04/2022</a:t>
             </a:fld>
             <a:endParaRPr lang="es-MX" dirty="0"/>
           </a:p>
@@ -3928,7 +3928,7 @@
           <a:p>
             <a:fld id="{5E75A0DC-66C6-4CEC-A5EB-F8C97CEC3796}" type="datetimeFigureOut">
               <a:rPr lang="es-MX" smtClean="0"/>
-              <a:t>27/03/2022</a:t>
+              <a:t>01/04/2022</a:t>
             </a:fld>
             <a:endParaRPr lang="es-MX" dirty="0"/>
           </a:p>
@@ -4046,7 +4046,7 @@
           <a:p>
             <a:fld id="{5E75A0DC-66C6-4CEC-A5EB-F8C97CEC3796}" type="datetimeFigureOut">
               <a:rPr lang="es-MX" smtClean="0"/>
-              <a:t>27/03/2022</a:t>
+              <a:t>01/04/2022</a:t>
             </a:fld>
             <a:endParaRPr lang="es-MX" dirty="0"/>
           </a:p>
@@ -4141,7 +4141,7 @@
           <a:p>
             <a:fld id="{5E75A0DC-66C6-4CEC-A5EB-F8C97CEC3796}" type="datetimeFigureOut">
               <a:rPr lang="es-MX" smtClean="0"/>
-              <a:t>27/03/2022</a:t>
+              <a:t>01/04/2022</a:t>
             </a:fld>
             <a:endParaRPr lang="es-MX" dirty="0"/>
           </a:p>
@@ -4418,7 +4418,7 @@
           <a:p>
             <a:fld id="{5E75A0DC-66C6-4CEC-A5EB-F8C97CEC3796}" type="datetimeFigureOut">
               <a:rPr lang="es-MX" smtClean="0"/>
-              <a:t>27/03/2022</a:t>
+              <a:t>01/04/2022</a:t>
             </a:fld>
             <a:endParaRPr lang="es-MX" dirty="0"/>
           </a:p>
@@ -4671,7 +4671,7 @@
           <a:p>
             <a:fld id="{5E75A0DC-66C6-4CEC-A5EB-F8C97CEC3796}" type="datetimeFigureOut">
               <a:rPr lang="es-MX" smtClean="0"/>
-              <a:t>27/03/2022</a:t>
+              <a:t>01/04/2022</a:t>
             </a:fld>
             <a:endParaRPr lang="es-MX" dirty="0"/>
           </a:p>
@@ -4884,7 +4884,7 @@
           <a:p>
             <a:fld id="{5E75A0DC-66C6-4CEC-A5EB-F8C97CEC3796}" type="datetimeFigureOut">
               <a:rPr lang="es-MX" smtClean="0"/>
-              <a:t>27/03/2022</a:t>
+              <a:t>01/04/2022</a:t>
             </a:fld>
             <a:endParaRPr lang="es-MX" dirty="0"/>
           </a:p>
@@ -9086,7 +9086,7 @@
                   </a:schemeClr>
                 </a:solidFill>
               </a:rPr>
-              <a:t>La siguiente tabla muestra como afectan estos materiales a las señales inalámbricas:</a:t>
+              <a:t>La siguiente tabla muestra cómo afectan estos materiales a las señales inalámbricas:</a:t>
             </a:r>
             <a:endParaRPr lang="es-ES_tradnl" altLang="es-MX" sz="1600" dirty="0"/>
           </a:p>
@@ -18213,7 +18213,7 @@
         </p:blipFill>
         <p:spPr>
           <a:xfrm>
-            <a:off x="5733255" y="1124745"/>
+            <a:off x="5724378" y="1299294"/>
             <a:ext cx="3334851" cy="2016223"/>
           </a:xfrm>
           <a:prstGeom prst="rect">
@@ -18348,8 +18348,8 @@
         </p:nvSpPr>
         <p:spPr>
           <a:xfrm>
-            <a:off x="751266" y="1421904"/>
-            <a:ext cx="4320480" cy="782960"/>
+            <a:off x="467544" y="1462472"/>
+            <a:ext cx="4896544" cy="782960"/>
           </a:xfrm>
         </p:spPr>
         <p:txBody>
@@ -18417,8 +18417,8 @@
         </p:nvSpPr>
         <p:spPr bwMode="auto">
           <a:xfrm>
-            <a:off x="755576" y="2260417"/>
-            <a:ext cx="3816424" cy="3384376"/>
+            <a:off x="539552" y="2564904"/>
+            <a:ext cx="3915562" cy="3384376"/>
           </a:xfrm>
           <a:prstGeom prst="rect">
             <a:avLst/>
@@ -18792,8 +18792,8 @@
         </p:nvSpPr>
         <p:spPr bwMode="auto">
           <a:xfrm>
-            <a:off x="4527122" y="2420888"/>
-            <a:ext cx="3915562" cy="3528392"/>
+            <a:off x="4410236" y="2564904"/>
+            <a:ext cx="4005318" cy="3528392"/>
           </a:xfrm>
           <a:prstGeom prst="rect">
             <a:avLst/>
